--- a/Prezentatsia_Microsoft_PowerPoint_1.pptx
+++ b/Prezentatsia_Microsoft_PowerPoint_1.pptx
@@ -5,22 +5,23 @@
     <p:sldMasterId id="2147483660" r:id="rId1"/>
   </p:sldMasterIdLst>
   <p:notesMasterIdLst>
-    <p:notesMasterId r:id="rId15"/>
+    <p:notesMasterId r:id="rId16"/>
   </p:notesMasterIdLst>
   <p:sldIdLst>
     <p:sldId id="256" r:id="rId2"/>
     <p:sldId id="269" r:id="rId3"/>
     <p:sldId id="257" r:id="rId4"/>
-    <p:sldId id="258" r:id="rId5"/>
-    <p:sldId id="259" r:id="rId6"/>
-    <p:sldId id="260" r:id="rId7"/>
-    <p:sldId id="262" r:id="rId8"/>
-    <p:sldId id="263" r:id="rId9"/>
-    <p:sldId id="264" r:id="rId10"/>
-    <p:sldId id="265" r:id="rId11"/>
-    <p:sldId id="266" r:id="rId12"/>
-    <p:sldId id="267" r:id="rId13"/>
-    <p:sldId id="268" r:id="rId14"/>
+    <p:sldId id="270" r:id="rId5"/>
+    <p:sldId id="258" r:id="rId6"/>
+    <p:sldId id="259" r:id="rId7"/>
+    <p:sldId id="260" r:id="rId8"/>
+    <p:sldId id="262" r:id="rId9"/>
+    <p:sldId id="263" r:id="rId10"/>
+    <p:sldId id="264" r:id="rId11"/>
+    <p:sldId id="265" r:id="rId12"/>
+    <p:sldId id="266" r:id="rId13"/>
+    <p:sldId id="267" r:id="rId14"/>
+    <p:sldId id="268" r:id="rId15"/>
   </p:sldIdLst>
   <p:sldSz cx="12192000" cy="6858000"/>
   <p:notesSz cx="6858000" cy="9144000"/>
@@ -209,7 +210,7 @@
           <a:p>
             <a:fld id="{AAB21058-9D01-45F7-9B47-B8D91BB8CF7D}" type="datetimeFigureOut">
               <a:rPr lang="ru-RU" smtClean="0"/>
-              <a:t>01.05.2019</a:t>
+              <a:t>02.05.2019</a:t>
             </a:fld>
             <a:endParaRPr lang="ru-RU"/>
           </a:p>
@@ -625,7 +626,7 @@
           <a:p>
             <a:fld id="{147C8777-4AF0-4628-9AF7-E67816916736}" type="slidenum">
               <a:rPr lang="ru-RU" smtClean="0"/>
-              <a:t>7</a:t>
+              <a:t>8</a:t>
             </a:fld>
             <a:endParaRPr lang="ru-RU"/>
           </a:p>
@@ -709,7 +710,7 @@
           <a:p>
             <a:fld id="{147C8777-4AF0-4628-9AF7-E67816916736}" type="slidenum">
               <a:rPr lang="ru-RU" smtClean="0"/>
-              <a:t>9</a:t>
+              <a:t>10</a:t>
             </a:fld>
             <a:endParaRPr lang="ru-RU"/>
           </a:p>
@@ -1063,7 +1064,7 @@
           <a:p>
             <a:fld id="{D1E272DB-DA09-485C-9A6A-B7D2D219D2D5}" type="datetimeFigureOut">
               <a:rPr lang="ru-RU" smtClean="0"/>
-              <a:t>01.05.2019</a:t>
+              <a:t>02.05.2019</a:t>
             </a:fld>
             <a:endParaRPr lang="ru-RU"/>
           </a:p>
@@ -2151,7 +2152,7 @@
           <a:p>
             <a:fld id="{D1E272DB-DA09-485C-9A6A-B7D2D219D2D5}" type="datetimeFigureOut">
               <a:rPr lang="ru-RU" smtClean="0"/>
-              <a:t>01.05.2019</a:t>
+              <a:t>02.05.2019</a:t>
             </a:fld>
             <a:endParaRPr lang="ru-RU"/>
           </a:p>
@@ -3131,7 +3132,7 @@
           <a:p>
             <a:fld id="{D1E272DB-DA09-485C-9A6A-B7D2D219D2D5}" type="datetimeFigureOut">
               <a:rPr lang="ru-RU" smtClean="0"/>
-              <a:t>01.05.2019</a:t>
+              <a:t>02.05.2019</a:t>
             </a:fld>
             <a:endParaRPr lang="ru-RU"/>
           </a:p>
@@ -4265,7 +4266,7 @@
           <a:p>
             <a:fld id="{D1E272DB-DA09-485C-9A6A-B7D2D219D2D5}" type="datetimeFigureOut">
               <a:rPr lang="ru-RU" smtClean="0"/>
-              <a:t>01.05.2019</a:t>
+              <a:t>02.05.2019</a:t>
             </a:fld>
             <a:endParaRPr lang="ru-RU"/>
           </a:p>
@@ -5298,7 +5299,7 @@
           <a:p>
             <a:fld id="{D1E272DB-DA09-485C-9A6A-B7D2D219D2D5}" type="datetimeFigureOut">
               <a:rPr lang="ru-RU" smtClean="0"/>
-              <a:t>01.05.2019</a:t>
+              <a:t>02.05.2019</a:t>
             </a:fld>
             <a:endParaRPr lang="ru-RU"/>
           </a:p>
@@ -5958,7 +5959,7 @@
           <a:p>
             <a:fld id="{D1E272DB-DA09-485C-9A6A-B7D2D219D2D5}" type="datetimeFigureOut">
               <a:rPr lang="ru-RU" smtClean="0"/>
-              <a:t>01.05.2019</a:t>
+              <a:t>02.05.2019</a:t>
             </a:fld>
             <a:endParaRPr lang="ru-RU"/>
           </a:p>
@@ -6819,7 +6820,7 @@
           <a:p>
             <a:fld id="{D1E272DB-DA09-485C-9A6A-B7D2D219D2D5}" type="datetimeFigureOut">
               <a:rPr lang="ru-RU" smtClean="0"/>
-              <a:t>01.05.2019</a:t>
+              <a:t>02.05.2019</a:t>
             </a:fld>
             <a:endParaRPr lang="ru-RU"/>
           </a:p>
@@ -7009,7 +7010,7 @@
           <a:p>
             <a:fld id="{D1E272DB-DA09-485C-9A6A-B7D2D219D2D5}" type="datetimeFigureOut">
               <a:rPr lang="ru-RU" smtClean="0"/>
-              <a:t>01.05.2019</a:t>
+              <a:t>02.05.2019</a:t>
             </a:fld>
             <a:endParaRPr lang="ru-RU"/>
           </a:p>
@@ -7981,7 +7982,7 @@
           <a:p>
             <a:fld id="{D1E272DB-DA09-485C-9A6A-B7D2D219D2D5}" type="datetimeFigureOut">
               <a:rPr lang="ru-RU" smtClean="0"/>
-              <a:t>01.05.2019</a:t>
+              <a:t>02.05.2019</a:t>
             </a:fld>
             <a:endParaRPr lang="ru-RU"/>
           </a:p>
@@ -8192,7 +8193,7 @@
           <a:p>
             <a:fld id="{D1E272DB-DA09-485C-9A6A-B7D2D219D2D5}" type="datetimeFigureOut">
               <a:rPr lang="ru-RU" smtClean="0"/>
-              <a:t>01.05.2019</a:t>
+              <a:t>02.05.2019</a:t>
             </a:fld>
             <a:endParaRPr lang="ru-RU"/>
           </a:p>
@@ -9226,7 +9227,7 @@
           <a:p>
             <a:fld id="{D1E272DB-DA09-485C-9A6A-B7D2D219D2D5}" type="datetimeFigureOut">
               <a:rPr lang="ru-RU" smtClean="0"/>
-              <a:t>01.05.2019</a:t>
+              <a:t>02.05.2019</a:t>
             </a:fld>
             <a:endParaRPr lang="ru-RU"/>
           </a:p>
@@ -9498,7 +9499,7 @@
           <a:p>
             <a:fld id="{D1E272DB-DA09-485C-9A6A-B7D2D219D2D5}" type="datetimeFigureOut">
               <a:rPr lang="ru-RU" smtClean="0"/>
-              <a:t>01.05.2019</a:t>
+              <a:t>02.05.2019</a:t>
             </a:fld>
             <a:endParaRPr lang="ru-RU"/>
           </a:p>
@@ -9908,7 +9909,7 @@
           <a:p>
             <a:fld id="{D1E272DB-DA09-485C-9A6A-B7D2D219D2D5}" type="datetimeFigureOut">
               <a:rPr lang="ru-RU" smtClean="0"/>
-              <a:t>01.05.2019</a:t>
+              <a:t>02.05.2019</a:t>
             </a:fld>
             <a:endParaRPr lang="ru-RU"/>
           </a:p>
@@ -10035,7 +10036,7 @@
           <a:p>
             <a:fld id="{D1E272DB-DA09-485C-9A6A-B7D2D219D2D5}" type="datetimeFigureOut">
               <a:rPr lang="ru-RU" smtClean="0"/>
-              <a:t>01.05.2019</a:t>
+              <a:t>02.05.2019</a:t>
             </a:fld>
             <a:endParaRPr lang="ru-RU"/>
           </a:p>
@@ -10130,7 +10131,7 @@
           <a:p>
             <a:fld id="{D1E272DB-DA09-485C-9A6A-B7D2D219D2D5}" type="datetimeFigureOut">
               <a:rPr lang="ru-RU" smtClean="0"/>
-              <a:t>01.05.2019</a:t>
+              <a:t>02.05.2019</a:t>
             </a:fld>
             <a:endParaRPr lang="ru-RU"/>
           </a:p>
@@ -11211,7 +11212,7 @@
           <a:p>
             <a:fld id="{D1E272DB-DA09-485C-9A6A-B7D2D219D2D5}" type="datetimeFigureOut">
               <a:rPr lang="ru-RU" smtClean="0"/>
-              <a:t>01.05.2019</a:t>
+              <a:t>02.05.2019</a:t>
             </a:fld>
             <a:endParaRPr lang="ru-RU"/>
           </a:p>
@@ -12319,7 +12320,7 @@
           <a:p>
             <a:fld id="{D1E272DB-DA09-485C-9A6A-B7D2D219D2D5}" type="datetimeFigureOut">
               <a:rPr lang="ru-RU" smtClean="0"/>
-              <a:t>01.05.2019</a:t>
+              <a:t>02.05.2019</a:t>
             </a:fld>
             <a:endParaRPr lang="ru-RU"/>
           </a:p>
@@ -13316,7 +13317,7 @@
           <a:p>
             <a:fld id="{D1E272DB-DA09-485C-9A6A-B7D2D219D2D5}" type="datetimeFigureOut">
               <a:rPr lang="ru-RU" smtClean="0"/>
-              <a:t>01.05.2019</a:t>
+              <a:t>02.05.2019</a:t>
             </a:fld>
             <a:endParaRPr lang="ru-RU"/>
           </a:p>
@@ -14035,6 +14036,401 @@
             <p:ph type="title"/>
           </p:nvPr>
         </p:nvSpPr>
+        <p:spPr/>
+        <p:txBody>
+          <a:bodyPr/>
+          <a:lstStyle/>
+          <a:p>
+            <a:r>
+              <a:rPr lang="ru-RU" dirty="0"/>
+              <a:t>							Регистрация</a:t>
+            </a:r>
+          </a:p>
+        </p:txBody>
+      </p:sp>
+      <p:sp>
+        <p:nvSpPr>
+          <p:cNvPr id="3" name="Объект 2"/>
+          <p:cNvSpPr>
+            <a:spLocks noGrp="1"/>
+          </p:cNvSpPr>
+          <p:nvPr>
+            <p:ph sz="half" idx="1"/>
+          </p:nvPr>
+        </p:nvSpPr>
+        <p:spPr/>
+        <p:txBody>
+          <a:bodyPr/>
+          <a:lstStyle/>
+          <a:p>
+            <a:endParaRPr lang="ru-RU"/>
+          </a:p>
+        </p:txBody>
+      </p:sp>
+      <p:sp>
+        <p:nvSpPr>
+          <p:cNvPr id="4" name="Объект 3"/>
+          <p:cNvSpPr>
+            <a:spLocks noGrp="1"/>
+          </p:cNvSpPr>
+          <p:nvPr>
+            <p:ph sz="half" idx="2"/>
+          </p:nvPr>
+        </p:nvSpPr>
+        <p:spPr/>
+        <p:txBody>
+          <a:bodyPr/>
+          <a:lstStyle/>
+          <a:p>
+            <a:endParaRPr lang="ru-RU" dirty="0"/>
+          </a:p>
+        </p:txBody>
+      </p:sp>
+      <p:pic>
+        <p:nvPicPr>
+          <p:cNvPr id="5" name="Picture 2" descr="Картинки по запросу эмблема рфмш"/>
+          <p:cNvPicPr>
+            <a:picLocks noChangeAspect="1" noChangeArrowheads="1"/>
+          </p:cNvPicPr>
+          <p:nvPr/>
+        </p:nvPicPr>
+        <p:blipFill>
+          <a:blip r:embed="rId3" cstate="print">
+            <a:extLst>
+              <a:ext uri="{28A0092B-C50C-407E-A947-70E740481C1C}">
+                <a14:useLocalDpi xmlns:a14="http://schemas.microsoft.com/office/drawing/2010/main" val="0"/>
+              </a:ext>
+            </a:extLst>
+          </a:blip>
+          <a:srcRect/>
+          <a:stretch>
+            <a:fillRect/>
+          </a:stretch>
+        </p:blipFill>
+        <p:spPr bwMode="auto">
+          <a:xfrm>
+            <a:off x="10436469" y="732448"/>
+            <a:ext cx="688974" cy="688974"/>
+          </a:xfrm>
+          <a:prstGeom prst="rect">
+            <a:avLst/>
+          </a:prstGeom>
+          <a:noFill/>
+          <a:extLst>
+            <a:ext uri="{909E8E84-426E-40DD-AFC4-6F175D3DCCD1}">
+              <a14:hiddenFill xmlns:a14="http://schemas.microsoft.com/office/drawing/2010/main">
+                <a:solidFill>
+                  <a:srgbClr val="FFFFFF"/>
+                </a:solidFill>
+              </a14:hiddenFill>
+            </a:ext>
+          </a:extLst>
+        </p:spPr>
+      </p:pic>
+      <p:pic>
+        <p:nvPicPr>
+          <p:cNvPr id="6146" name="Picture 2" descr="https://pp.userapi.com/c852224/v852224167/102663/jBF7ORQhe90.jpg"/>
+          <p:cNvPicPr>
+            <a:picLocks noChangeAspect="1" noChangeArrowheads="1"/>
+          </p:cNvPicPr>
+          <p:nvPr/>
+        </p:nvPicPr>
+        <p:blipFill>
+          <a:blip r:embed="rId4">
+            <a:extLst>
+              <a:ext uri="{28A0092B-C50C-407E-A947-70E740481C1C}">
+                <a14:useLocalDpi xmlns:a14="http://schemas.microsoft.com/office/drawing/2010/main" val="0"/>
+              </a:ext>
+            </a:extLst>
+          </a:blip>
+          <a:srcRect/>
+          <a:stretch>
+            <a:fillRect/>
+          </a:stretch>
+        </p:blipFill>
+        <p:spPr bwMode="auto">
+          <a:xfrm>
+            <a:off x="1982554" y="2603499"/>
+            <a:ext cx="8128600" cy="3269763"/>
+          </a:xfrm>
+          <a:prstGeom prst="rect">
+            <a:avLst/>
+          </a:prstGeom>
+          <a:noFill/>
+          <a:extLst>
+            <a:ext uri="{909E8E84-426E-40DD-AFC4-6F175D3DCCD1}">
+              <a14:hiddenFill xmlns:a14="http://schemas.microsoft.com/office/drawing/2010/main">
+                <a:solidFill>
+                  <a:srgbClr val="FFFFFF"/>
+                </a:solidFill>
+              </a14:hiddenFill>
+            </a:ext>
+          </a:extLst>
+        </p:spPr>
+      </p:pic>
+      <p:sp>
+        <p:nvSpPr>
+          <p:cNvPr id="6" name="Прямоугольник 5"/>
+          <p:cNvSpPr/>
+          <p:nvPr/>
+        </p:nvSpPr>
+        <p:spPr>
+          <a:xfrm>
+            <a:off x="1987062" y="2603500"/>
+            <a:ext cx="8124092" cy="3234592"/>
+          </a:xfrm>
+          <a:prstGeom prst="rect">
+            <a:avLst/>
+          </a:prstGeom>
+          <a:noFill/>
+          <a:ln>
+            <a:solidFill>
+              <a:schemeClr val="tx1"/>
+            </a:solidFill>
+          </a:ln>
+        </p:spPr>
+        <p:style>
+          <a:lnRef idx="2">
+            <a:schemeClr val="accent1">
+              <a:shade val="50000"/>
+            </a:schemeClr>
+          </a:lnRef>
+          <a:fillRef idx="1">
+            <a:schemeClr val="accent1"/>
+          </a:fillRef>
+          <a:effectRef idx="0">
+            <a:schemeClr val="accent1"/>
+          </a:effectRef>
+          <a:fontRef idx="minor">
+            <a:schemeClr val="lt1"/>
+          </a:fontRef>
+        </p:style>
+        <p:txBody>
+          <a:bodyPr rtlCol="0" anchor="ctr"/>
+          <a:lstStyle/>
+          <a:p>
+            <a:pPr algn="ctr"/>
+            <a:endParaRPr lang="ru-RU"/>
+          </a:p>
+        </p:txBody>
+      </p:sp>
+      <p:pic>
+        <p:nvPicPr>
+          <p:cNvPr id="6148" name="Picture 4" descr="https://pp.userapi.com/c856132/v856132167/274e3/wRwfUmtS-Ws.jpg"/>
+          <p:cNvPicPr>
+            <a:picLocks noChangeAspect="1" noChangeArrowheads="1"/>
+          </p:cNvPicPr>
+          <p:nvPr/>
+        </p:nvPicPr>
+        <p:blipFill>
+          <a:blip r:embed="rId5">
+            <a:extLst>
+              <a:ext uri="{28A0092B-C50C-407E-A947-70E740481C1C}">
+                <a14:useLocalDpi xmlns:a14="http://schemas.microsoft.com/office/drawing/2010/main" val="0"/>
+              </a:ext>
+            </a:extLst>
+          </a:blip>
+          <a:srcRect/>
+          <a:stretch>
+            <a:fillRect/>
+          </a:stretch>
+        </p:blipFill>
+        <p:spPr bwMode="auto">
+          <a:xfrm>
+            <a:off x="1982554" y="2603498"/>
+            <a:ext cx="8128600" cy="3234594"/>
+          </a:xfrm>
+          <a:prstGeom prst="rect">
+            <a:avLst/>
+          </a:prstGeom>
+          <a:noFill/>
+          <a:extLst>
+            <a:ext uri="{909E8E84-426E-40DD-AFC4-6F175D3DCCD1}">
+              <a14:hiddenFill xmlns:a14="http://schemas.microsoft.com/office/drawing/2010/main">
+                <a:solidFill>
+                  <a:srgbClr val="FFFFFF"/>
+                </a:solidFill>
+              </a14:hiddenFill>
+            </a:ext>
+          </a:extLst>
+        </p:spPr>
+      </p:pic>
+    </p:spTree>
+    <p:extLst>
+      <p:ext uri="{BB962C8B-B14F-4D97-AF65-F5344CB8AC3E}">
+        <p14:creationId xmlns:p14="http://schemas.microsoft.com/office/powerpoint/2010/main" val="2440918451"/>
+      </p:ext>
+    </p:extLst>
+  </p:cSld>
+  <p:clrMapOvr>
+    <a:masterClrMapping/>
+  </p:clrMapOvr>
+  <p:timing>
+    <p:tnLst>
+      <p:par>
+        <p:cTn id="1" dur="indefinite" restart="never" nodeType="tmRoot">
+          <p:childTnLst>
+            <p:seq concurrent="1" nextAc="seek">
+              <p:cTn id="2" dur="indefinite" nodeType="mainSeq">
+                <p:childTnLst>
+                  <p:par>
+                    <p:cTn id="3" fill="hold">
+                      <p:stCondLst>
+                        <p:cond delay="indefinite"/>
+                      </p:stCondLst>
+                      <p:childTnLst>
+                        <p:par>
+                          <p:cTn id="4" fill="hold">
+                            <p:stCondLst>
+                              <p:cond delay="0"/>
+                            </p:stCondLst>
+                            <p:childTnLst>
+                              <p:par>
+                                <p:cTn id="5" presetID="10" presetClass="entr" presetSubtype="0" fill="hold" nodeType="clickEffect">
+                                  <p:stCondLst>
+                                    <p:cond delay="0"/>
+                                  </p:stCondLst>
+                                  <p:childTnLst>
+                                    <p:set>
+                                      <p:cBhvr>
+                                        <p:cTn id="6" dur="1" fill="hold">
+                                          <p:stCondLst>
+                                            <p:cond delay="0"/>
+                                          </p:stCondLst>
+                                        </p:cTn>
+                                        <p:tgtEl>
+                                          <p:spTgt spid="6146"/>
+                                        </p:tgtEl>
+                                        <p:attrNameLst>
+                                          <p:attrName>style.visibility</p:attrName>
+                                        </p:attrNameLst>
+                                      </p:cBhvr>
+                                      <p:to>
+                                        <p:strVal val="visible"/>
+                                      </p:to>
+                                    </p:set>
+                                    <p:animEffect transition="in" filter="fade">
+                                      <p:cBhvr>
+                                        <p:cTn id="7" dur="500"/>
+                                        <p:tgtEl>
+                                          <p:spTgt spid="6146"/>
+                                        </p:tgtEl>
+                                      </p:cBhvr>
+                                    </p:animEffect>
+                                  </p:childTnLst>
+                                </p:cTn>
+                              </p:par>
+                            </p:childTnLst>
+                          </p:cTn>
+                        </p:par>
+                      </p:childTnLst>
+                    </p:cTn>
+                  </p:par>
+                  <p:par>
+                    <p:cTn id="8" fill="hold">
+                      <p:stCondLst>
+                        <p:cond delay="indefinite"/>
+                      </p:stCondLst>
+                      <p:childTnLst>
+                        <p:par>
+                          <p:cTn id="9" fill="hold">
+                            <p:stCondLst>
+                              <p:cond delay="0"/>
+                            </p:stCondLst>
+                            <p:childTnLst>
+                              <p:par>
+                                <p:cTn id="10" presetID="10" presetClass="entr" presetSubtype="0" fill="hold" nodeType="clickEffect">
+                                  <p:stCondLst>
+                                    <p:cond delay="0"/>
+                                  </p:stCondLst>
+                                  <p:childTnLst>
+                                    <p:set>
+                                      <p:cBhvr>
+                                        <p:cTn id="11" dur="1" fill="hold">
+                                          <p:stCondLst>
+                                            <p:cond delay="0"/>
+                                          </p:stCondLst>
+                                        </p:cTn>
+                                        <p:tgtEl>
+                                          <p:spTgt spid="6148"/>
+                                        </p:tgtEl>
+                                        <p:attrNameLst>
+                                          <p:attrName>style.visibility</p:attrName>
+                                        </p:attrNameLst>
+                                      </p:cBhvr>
+                                      <p:to>
+                                        <p:strVal val="visible"/>
+                                      </p:to>
+                                    </p:set>
+                                    <p:animEffect transition="in" filter="fade">
+                                      <p:cBhvr>
+                                        <p:cTn id="12" dur="500"/>
+                                        <p:tgtEl>
+                                          <p:spTgt spid="6148"/>
+                                        </p:tgtEl>
+                                      </p:cBhvr>
+                                    </p:animEffect>
+                                  </p:childTnLst>
+                                </p:cTn>
+                              </p:par>
+                            </p:childTnLst>
+                          </p:cTn>
+                        </p:par>
+                      </p:childTnLst>
+                    </p:cTn>
+                  </p:par>
+                </p:childTnLst>
+              </p:cTn>
+              <p:prevCondLst>
+                <p:cond evt="onPrev" delay="0">
+                  <p:tgtEl>
+                    <p:sldTgt/>
+                  </p:tgtEl>
+                </p:cond>
+              </p:prevCondLst>
+              <p:nextCondLst>
+                <p:cond evt="onNext" delay="0">
+                  <p:tgtEl>
+                    <p:sldTgt/>
+                  </p:tgtEl>
+                </p:cond>
+              </p:nextCondLst>
+            </p:seq>
+          </p:childTnLst>
+        </p:cTn>
+      </p:par>
+    </p:tnLst>
+  </p:timing>
+</p:sld>
+</file>
+
+<file path=ppt/slides/slide11.xml><?xml version="1.0" encoding="utf-8"?>
+<p:sld xmlns:a="http://schemas.openxmlformats.org/drawingml/2006/main" xmlns:r="http://schemas.openxmlformats.org/officeDocument/2006/relationships" xmlns:p="http://schemas.openxmlformats.org/presentationml/2006/main">
+  <p:cSld>
+    <p:spTree>
+      <p:nvGrpSpPr>
+        <p:cNvPr id="1" name=""/>
+        <p:cNvGrpSpPr/>
+        <p:nvPr/>
+      </p:nvGrpSpPr>
+      <p:grpSpPr>
+        <a:xfrm>
+          <a:off x="0" y="0"/>
+          <a:ext cx="0" cy="0"/>
+          <a:chOff x="0" y="0"/>
+          <a:chExt cx="0" cy="0"/>
+        </a:xfrm>
+      </p:grpSpPr>
+      <p:sp>
+        <p:nvSpPr>
+          <p:cNvPr id="2" name="Заголовок 1"/>
+          <p:cNvSpPr>
+            <a:spLocks noGrp="1"/>
+          </p:cNvSpPr>
+          <p:nvPr>
+            <p:ph type="title"/>
+          </p:nvPr>
+        </p:nvSpPr>
         <p:spPr>
           <a:xfrm>
             <a:off x="-597876" y="973668"/>
@@ -14231,7 +14627,7 @@
 </p:sld>
 </file>
 
-<file path=ppt/slides/slide11.xml><?xml version="1.0" encoding="utf-8"?>
+<file path=ppt/slides/slide12.xml><?xml version="1.0" encoding="utf-8"?>
 <p:sld xmlns:a="http://schemas.openxmlformats.org/drawingml/2006/main" xmlns:r="http://schemas.openxmlformats.org/officeDocument/2006/relationships" xmlns:p="http://schemas.openxmlformats.org/presentationml/2006/main">
   <p:cSld>
     <p:spTree>
@@ -14449,7 +14845,7 @@
 </p:sld>
 </file>
 
-<file path=ppt/slides/slide12.xml><?xml version="1.0" encoding="utf-8"?>
+<file path=ppt/slides/slide13.xml><?xml version="1.0" encoding="utf-8"?>
 <p:sld xmlns:a="http://schemas.openxmlformats.org/drawingml/2006/main" xmlns:r="http://schemas.openxmlformats.org/officeDocument/2006/relationships" xmlns:p="http://schemas.openxmlformats.org/presentationml/2006/main">
   <p:cSld>
     <p:spTree>
@@ -14667,7 +15063,7 @@
 </p:sld>
 </file>
 
-<file path=ppt/slides/slide13.xml><?xml version="1.0" encoding="utf-8"?>
+<file path=ppt/slides/slide14.xml><?xml version="1.0" encoding="utf-8"?>
 <p:sld xmlns:a="http://schemas.openxmlformats.org/drawingml/2006/main" xmlns:r="http://schemas.openxmlformats.org/officeDocument/2006/relationships" xmlns:p="http://schemas.openxmlformats.org/presentationml/2006/main">
   <p:cSld>
     <p:spTree>
@@ -14810,6 +15206,53 @@
           </a:p>
         </p:txBody>
       </p:sp>
+      <p:pic>
+        <p:nvPicPr>
+          <p:cNvPr id="6" name="Picture 2" descr="Картинки по запросу эмблема рфмш">
+            <a:extLst>
+              <a:ext uri="{FF2B5EF4-FFF2-40B4-BE49-F238E27FC236}">
+                <a16:creationId xmlns:a16="http://schemas.microsoft.com/office/drawing/2014/main" id="{4582E065-86F3-49BB-97AD-7658E53C48F2}"/>
+              </a:ext>
+            </a:extLst>
+          </p:cNvPr>
+          <p:cNvPicPr>
+            <a:picLocks noChangeAspect="1" noChangeArrowheads="1"/>
+          </p:cNvPicPr>
+          <p:nvPr/>
+        </p:nvPicPr>
+        <p:blipFill>
+          <a:blip r:embed="rId2" cstate="print">
+            <a:extLst>
+              <a:ext uri="{28A0092B-C50C-407E-A947-70E740481C1C}">
+                <a14:useLocalDpi xmlns:a14="http://schemas.microsoft.com/office/drawing/2010/main" val="0"/>
+              </a:ext>
+            </a:extLst>
+          </a:blip>
+          <a:srcRect/>
+          <a:stretch>
+            <a:fillRect/>
+          </a:stretch>
+        </p:blipFill>
+        <p:spPr bwMode="auto">
+          <a:xfrm>
+            <a:off x="10436469" y="732448"/>
+            <a:ext cx="688974" cy="688974"/>
+          </a:xfrm>
+          <a:prstGeom prst="rect">
+            <a:avLst/>
+          </a:prstGeom>
+          <a:noFill/>
+          <a:extLst>
+            <a:ext uri="{909E8E84-426E-40DD-AFC4-6F175D3DCCD1}">
+              <a14:hiddenFill xmlns:a14="http://schemas.microsoft.com/office/drawing/2010/main">
+                <a:solidFill>
+                  <a:srgbClr val="FFFFFF"/>
+                </a:solidFill>
+              </a14:hiddenFill>
+            </a:ext>
+          </a:extLst>
+        </p:spPr>
+      </p:pic>
     </p:spTree>
     <p:extLst>
       <p:ext uri="{BB962C8B-B14F-4D97-AF65-F5344CB8AC3E}">
@@ -16335,6 +16778,188 @@
       </p:grpSpPr>
       <p:sp>
         <p:nvSpPr>
+          <p:cNvPr id="2" name="Title 1">
+            <a:extLst>
+              <a:ext uri="{FF2B5EF4-FFF2-40B4-BE49-F238E27FC236}">
+                <a16:creationId xmlns:a16="http://schemas.microsoft.com/office/drawing/2014/main" id="{D4266F86-27DE-491F-98C2-87171C6A7B5C}"/>
+              </a:ext>
+            </a:extLst>
+          </p:cNvPr>
+          <p:cNvSpPr>
+            <a:spLocks noGrp="1"/>
+          </p:cNvSpPr>
+          <p:nvPr>
+            <p:ph type="ctrTitle"/>
+          </p:nvPr>
+        </p:nvSpPr>
+        <p:spPr>
+          <a:xfrm>
+            <a:off x="1154955" y="1028386"/>
+            <a:ext cx="8825658" cy="861420"/>
+          </a:xfrm>
+        </p:spPr>
+        <p:txBody>
+          <a:bodyPr/>
+          <a:lstStyle/>
+          <a:p>
+            <a:r>
+              <a:rPr lang="ru-RU" dirty="0"/>
+              <a:t>Проблемы в разработке</a:t>
+            </a:r>
+          </a:p>
+        </p:txBody>
+      </p:sp>
+      <p:sp>
+        <p:nvSpPr>
+          <p:cNvPr id="3" name="Subtitle 2">
+            <a:extLst>
+              <a:ext uri="{FF2B5EF4-FFF2-40B4-BE49-F238E27FC236}">
+                <a16:creationId xmlns:a16="http://schemas.microsoft.com/office/drawing/2014/main" id="{39437152-785F-4709-8077-34B9603E9F52}"/>
+              </a:ext>
+            </a:extLst>
+          </p:cNvPr>
+          <p:cNvSpPr>
+            <a:spLocks noGrp="1"/>
+          </p:cNvSpPr>
+          <p:nvPr>
+            <p:ph type="subTitle" idx="1"/>
+          </p:nvPr>
+        </p:nvSpPr>
+        <p:spPr/>
+        <p:txBody>
+          <a:bodyPr/>
+          <a:lstStyle/>
+          <a:p>
+            <a:endParaRPr lang="ru-RU"/>
+          </a:p>
+        </p:txBody>
+      </p:sp>
+      <p:pic>
+        <p:nvPicPr>
+          <p:cNvPr id="4" name="Picture 2" descr="Картинки по запросу эмблема рфмш">
+            <a:extLst>
+              <a:ext uri="{FF2B5EF4-FFF2-40B4-BE49-F238E27FC236}">
+                <a16:creationId xmlns:a16="http://schemas.microsoft.com/office/drawing/2014/main" id="{87B9968F-D175-45BA-80A9-C49AEFF08D3C}"/>
+              </a:ext>
+            </a:extLst>
+          </p:cNvPr>
+          <p:cNvPicPr>
+            <a:picLocks noChangeAspect="1" noChangeArrowheads="1"/>
+          </p:cNvPicPr>
+          <p:nvPr/>
+        </p:nvPicPr>
+        <p:blipFill>
+          <a:blip r:embed="rId2" cstate="print">
+            <a:extLst>
+              <a:ext uri="{28A0092B-C50C-407E-A947-70E740481C1C}">
+                <a14:useLocalDpi xmlns:a14="http://schemas.microsoft.com/office/drawing/2010/main" val="0"/>
+              </a:ext>
+            </a:extLst>
+          </a:blip>
+          <a:srcRect/>
+          <a:stretch>
+            <a:fillRect/>
+          </a:stretch>
+        </p:blipFill>
+        <p:spPr bwMode="auto">
+          <a:xfrm>
+            <a:off x="10436469" y="732448"/>
+            <a:ext cx="688974" cy="688974"/>
+          </a:xfrm>
+          <a:prstGeom prst="rect">
+            <a:avLst/>
+          </a:prstGeom>
+          <a:noFill/>
+          <a:extLst>
+            <a:ext uri="{909E8E84-426E-40DD-AFC4-6F175D3DCCD1}">
+              <a14:hiddenFill xmlns:a14="http://schemas.microsoft.com/office/drawing/2010/main">
+                <a:solidFill>
+                  <a:srgbClr val="FFFFFF"/>
+                </a:solidFill>
+              </a14:hiddenFill>
+            </a:ext>
+          </a:extLst>
+        </p:spPr>
+      </p:pic>
+      <p:pic>
+        <p:nvPicPr>
+          <p:cNvPr id="1026" name="Picture 2" descr="Картинки по запросу проблема гифка">
+            <a:extLst>
+              <a:ext uri="{FF2B5EF4-FFF2-40B4-BE49-F238E27FC236}">
+                <a16:creationId xmlns:a16="http://schemas.microsoft.com/office/drawing/2014/main" id="{55DD26CC-3B2A-440E-A611-5D3B5E16951D}"/>
+              </a:ext>
+            </a:extLst>
+          </p:cNvPr>
+          <p:cNvPicPr>
+            <a:picLocks noChangeAspect="1" noChangeArrowheads="1" noCrop="1"/>
+          </p:cNvPicPr>
+          <p:nvPr/>
+        </p:nvPicPr>
+        <p:blipFill>
+          <a:blip r:embed="rId3">
+            <a:extLst>
+              <a:ext uri="{28A0092B-C50C-407E-A947-70E740481C1C}">
+                <a14:useLocalDpi xmlns:a14="http://schemas.microsoft.com/office/drawing/2010/main" val="0"/>
+              </a:ext>
+            </a:extLst>
+          </a:blip>
+          <a:srcRect/>
+          <a:stretch>
+            <a:fillRect/>
+          </a:stretch>
+        </p:blipFill>
+        <p:spPr bwMode="auto">
+          <a:xfrm>
+            <a:off x="4214424" y="2282842"/>
+            <a:ext cx="6009821" cy="3545794"/>
+          </a:xfrm>
+          <a:prstGeom prst="rect">
+            <a:avLst/>
+          </a:prstGeom>
+          <a:noFill/>
+          <a:extLst>
+            <a:ext uri="{909E8E84-426E-40DD-AFC4-6F175D3DCCD1}">
+              <a14:hiddenFill xmlns:a14="http://schemas.microsoft.com/office/drawing/2010/main">
+                <a:solidFill>
+                  <a:srgbClr val="FFFFFF"/>
+                </a:solidFill>
+              </a14:hiddenFill>
+            </a:ext>
+          </a:extLst>
+        </p:spPr>
+      </p:pic>
+    </p:spTree>
+    <p:extLst>
+      <p:ext uri="{BB962C8B-B14F-4D97-AF65-F5344CB8AC3E}">
+        <p14:creationId xmlns:p14="http://schemas.microsoft.com/office/powerpoint/2010/main" val="1218996829"/>
+      </p:ext>
+    </p:extLst>
+  </p:cSld>
+  <p:clrMapOvr>
+    <a:masterClrMapping/>
+  </p:clrMapOvr>
+</p:sld>
+</file>
+
+<file path=ppt/slides/slide5.xml><?xml version="1.0" encoding="utf-8"?>
+<p:sld xmlns:a="http://schemas.openxmlformats.org/drawingml/2006/main" xmlns:r="http://schemas.openxmlformats.org/officeDocument/2006/relationships" xmlns:p="http://schemas.openxmlformats.org/presentationml/2006/main">
+  <p:cSld>
+    <p:spTree>
+      <p:nvGrpSpPr>
+        <p:cNvPr id="1" name=""/>
+        <p:cNvGrpSpPr/>
+        <p:nvPr/>
+      </p:nvGrpSpPr>
+      <p:grpSpPr>
+        <a:xfrm>
+          <a:off x="0" y="0"/>
+          <a:ext cx="0" cy="0"/>
+          <a:chOff x="0" y="0"/>
+          <a:chExt cx="0" cy="0"/>
+        </a:xfrm>
+      </p:grpSpPr>
+      <p:sp>
+        <p:nvSpPr>
           <p:cNvPr id="2" name="Заголовок 1"/>
           <p:cNvSpPr>
             <a:spLocks noGrp="1"/>
@@ -16479,7 +17104,7 @@
 </p:sld>
 </file>
 
-<file path=ppt/slides/slide5.xml><?xml version="1.0" encoding="utf-8"?>
+<file path=ppt/slides/slide6.xml><?xml version="1.0" encoding="utf-8"?>
 <p:sld xmlns:a="http://schemas.openxmlformats.org/drawingml/2006/main" xmlns:r="http://schemas.openxmlformats.org/officeDocument/2006/relationships" xmlns:p="http://schemas.openxmlformats.org/presentationml/2006/main">
   <p:cSld>
     <p:spTree>
@@ -16885,7 +17510,7 @@
 </p:sld>
 </file>
 
-<file path=ppt/slides/slide6.xml><?xml version="1.0" encoding="utf-8"?>
+<file path=ppt/slides/slide7.xml><?xml version="1.0" encoding="utf-8"?>
 <p:sld xmlns:a="http://schemas.openxmlformats.org/drawingml/2006/main" xmlns:r="http://schemas.openxmlformats.org/officeDocument/2006/relationships" xmlns:p="http://schemas.openxmlformats.org/presentationml/2006/main">
   <p:cSld>
     <p:spTree>
@@ -17253,7 +17878,7 @@
 </p:sld>
 </file>
 
-<file path=ppt/slides/slide7.xml><?xml version="1.0" encoding="utf-8"?>
+<file path=ppt/slides/slide8.xml><?xml version="1.0" encoding="utf-8"?>
 <p:sld xmlns:a="http://schemas.openxmlformats.org/drawingml/2006/main" xmlns:r="http://schemas.openxmlformats.org/officeDocument/2006/relationships" xmlns:p="http://schemas.openxmlformats.org/presentationml/2006/main">
   <p:cSld>
     <p:spTree>
@@ -17580,7 +18205,7 @@
 </p:sld>
 </file>
 
-<file path=ppt/slides/slide8.xml><?xml version="1.0" encoding="utf-8"?>
+<file path=ppt/slides/slide9.xml><?xml version="1.0" encoding="utf-8"?>
 <p:sld xmlns:a="http://schemas.openxmlformats.org/drawingml/2006/main" xmlns:r="http://schemas.openxmlformats.org/officeDocument/2006/relationships" xmlns:p="http://schemas.openxmlformats.org/presentationml/2006/main">
   <p:cSld>
     <p:spTree>
@@ -17689,401 +18314,6 @@
   <p:clrMapOvr>
     <a:masterClrMapping/>
   </p:clrMapOvr>
-</p:sld>
-</file>
-
-<file path=ppt/slides/slide9.xml><?xml version="1.0" encoding="utf-8"?>
-<p:sld xmlns:a="http://schemas.openxmlformats.org/drawingml/2006/main" xmlns:r="http://schemas.openxmlformats.org/officeDocument/2006/relationships" xmlns:p="http://schemas.openxmlformats.org/presentationml/2006/main">
-  <p:cSld>
-    <p:spTree>
-      <p:nvGrpSpPr>
-        <p:cNvPr id="1" name=""/>
-        <p:cNvGrpSpPr/>
-        <p:nvPr/>
-      </p:nvGrpSpPr>
-      <p:grpSpPr>
-        <a:xfrm>
-          <a:off x="0" y="0"/>
-          <a:ext cx="0" cy="0"/>
-          <a:chOff x="0" y="0"/>
-          <a:chExt cx="0" cy="0"/>
-        </a:xfrm>
-      </p:grpSpPr>
-      <p:sp>
-        <p:nvSpPr>
-          <p:cNvPr id="2" name="Заголовок 1"/>
-          <p:cNvSpPr>
-            <a:spLocks noGrp="1"/>
-          </p:cNvSpPr>
-          <p:nvPr>
-            <p:ph type="title"/>
-          </p:nvPr>
-        </p:nvSpPr>
-        <p:spPr/>
-        <p:txBody>
-          <a:bodyPr/>
-          <a:lstStyle/>
-          <a:p>
-            <a:r>
-              <a:rPr lang="ru-RU" dirty="0"/>
-              <a:t>							Регистрация</a:t>
-            </a:r>
-          </a:p>
-        </p:txBody>
-      </p:sp>
-      <p:sp>
-        <p:nvSpPr>
-          <p:cNvPr id="3" name="Объект 2"/>
-          <p:cNvSpPr>
-            <a:spLocks noGrp="1"/>
-          </p:cNvSpPr>
-          <p:nvPr>
-            <p:ph sz="half" idx="1"/>
-          </p:nvPr>
-        </p:nvSpPr>
-        <p:spPr/>
-        <p:txBody>
-          <a:bodyPr/>
-          <a:lstStyle/>
-          <a:p>
-            <a:endParaRPr lang="ru-RU"/>
-          </a:p>
-        </p:txBody>
-      </p:sp>
-      <p:sp>
-        <p:nvSpPr>
-          <p:cNvPr id="4" name="Объект 3"/>
-          <p:cNvSpPr>
-            <a:spLocks noGrp="1"/>
-          </p:cNvSpPr>
-          <p:nvPr>
-            <p:ph sz="half" idx="2"/>
-          </p:nvPr>
-        </p:nvSpPr>
-        <p:spPr/>
-        <p:txBody>
-          <a:bodyPr/>
-          <a:lstStyle/>
-          <a:p>
-            <a:endParaRPr lang="ru-RU" dirty="0"/>
-          </a:p>
-        </p:txBody>
-      </p:sp>
-      <p:pic>
-        <p:nvPicPr>
-          <p:cNvPr id="5" name="Picture 2" descr="Картинки по запросу эмблема рфмш"/>
-          <p:cNvPicPr>
-            <a:picLocks noChangeAspect="1" noChangeArrowheads="1"/>
-          </p:cNvPicPr>
-          <p:nvPr/>
-        </p:nvPicPr>
-        <p:blipFill>
-          <a:blip r:embed="rId3" cstate="print">
-            <a:extLst>
-              <a:ext uri="{28A0092B-C50C-407E-A947-70E740481C1C}">
-                <a14:useLocalDpi xmlns:a14="http://schemas.microsoft.com/office/drawing/2010/main" val="0"/>
-              </a:ext>
-            </a:extLst>
-          </a:blip>
-          <a:srcRect/>
-          <a:stretch>
-            <a:fillRect/>
-          </a:stretch>
-        </p:blipFill>
-        <p:spPr bwMode="auto">
-          <a:xfrm>
-            <a:off x="10436469" y="732448"/>
-            <a:ext cx="688974" cy="688974"/>
-          </a:xfrm>
-          <a:prstGeom prst="rect">
-            <a:avLst/>
-          </a:prstGeom>
-          <a:noFill/>
-          <a:extLst>
-            <a:ext uri="{909E8E84-426E-40DD-AFC4-6F175D3DCCD1}">
-              <a14:hiddenFill xmlns:a14="http://schemas.microsoft.com/office/drawing/2010/main">
-                <a:solidFill>
-                  <a:srgbClr val="FFFFFF"/>
-                </a:solidFill>
-              </a14:hiddenFill>
-            </a:ext>
-          </a:extLst>
-        </p:spPr>
-      </p:pic>
-      <p:pic>
-        <p:nvPicPr>
-          <p:cNvPr id="6146" name="Picture 2" descr="https://pp.userapi.com/c852224/v852224167/102663/jBF7ORQhe90.jpg"/>
-          <p:cNvPicPr>
-            <a:picLocks noChangeAspect="1" noChangeArrowheads="1"/>
-          </p:cNvPicPr>
-          <p:nvPr/>
-        </p:nvPicPr>
-        <p:blipFill>
-          <a:blip r:embed="rId4">
-            <a:extLst>
-              <a:ext uri="{28A0092B-C50C-407E-A947-70E740481C1C}">
-                <a14:useLocalDpi xmlns:a14="http://schemas.microsoft.com/office/drawing/2010/main" val="0"/>
-              </a:ext>
-            </a:extLst>
-          </a:blip>
-          <a:srcRect/>
-          <a:stretch>
-            <a:fillRect/>
-          </a:stretch>
-        </p:blipFill>
-        <p:spPr bwMode="auto">
-          <a:xfrm>
-            <a:off x="1982554" y="2603499"/>
-            <a:ext cx="8128600" cy="3269763"/>
-          </a:xfrm>
-          <a:prstGeom prst="rect">
-            <a:avLst/>
-          </a:prstGeom>
-          <a:noFill/>
-          <a:extLst>
-            <a:ext uri="{909E8E84-426E-40DD-AFC4-6F175D3DCCD1}">
-              <a14:hiddenFill xmlns:a14="http://schemas.microsoft.com/office/drawing/2010/main">
-                <a:solidFill>
-                  <a:srgbClr val="FFFFFF"/>
-                </a:solidFill>
-              </a14:hiddenFill>
-            </a:ext>
-          </a:extLst>
-        </p:spPr>
-      </p:pic>
-      <p:sp>
-        <p:nvSpPr>
-          <p:cNvPr id="6" name="Прямоугольник 5"/>
-          <p:cNvSpPr/>
-          <p:nvPr/>
-        </p:nvSpPr>
-        <p:spPr>
-          <a:xfrm>
-            <a:off x="1987062" y="2603500"/>
-            <a:ext cx="8124092" cy="3234592"/>
-          </a:xfrm>
-          <a:prstGeom prst="rect">
-            <a:avLst/>
-          </a:prstGeom>
-          <a:noFill/>
-          <a:ln>
-            <a:solidFill>
-              <a:schemeClr val="tx1"/>
-            </a:solidFill>
-          </a:ln>
-        </p:spPr>
-        <p:style>
-          <a:lnRef idx="2">
-            <a:schemeClr val="accent1">
-              <a:shade val="50000"/>
-            </a:schemeClr>
-          </a:lnRef>
-          <a:fillRef idx="1">
-            <a:schemeClr val="accent1"/>
-          </a:fillRef>
-          <a:effectRef idx="0">
-            <a:schemeClr val="accent1"/>
-          </a:effectRef>
-          <a:fontRef idx="minor">
-            <a:schemeClr val="lt1"/>
-          </a:fontRef>
-        </p:style>
-        <p:txBody>
-          <a:bodyPr rtlCol="0" anchor="ctr"/>
-          <a:lstStyle/>
-          <a:p>
-            <a:pPr algn="ctr"/>
-            <a:endParaRPr lang="ru-RU"/>
-          </a:p>
-        </p:txBody>
-      </p:sp>
-      <p:pic>
-        <p:nvPicPr>
-          <p:cNvPr id="6148" name="Picture 4" descr="https://pp.userapi.com/c856132/v856132167/274e3/wRwfUmtS-Ws.jpg"/>
-          <p:cNvPicPr>
-            <a:picLocks noChangeAspect="1" noChangeArrowheads="1"/>
-          </p:cNvPicPr>
-          <p:nvPr/>
-        </p:nvPicPr>
-        <p:blipFill>
-          <a:blip r:embed="rId5">
-            <a:extLst>
-              <a:ext uri="{28A0092B-C50C-407E-A947-70E740481C1C}">
-                <a14:useLocalDpi xmlns:a14="http://schemas.microsoft.com/office/drawing/2010/main" val="0"/>
-              </a:ext>
-            </a:extLst>
-          </a:blip>
-          <a:srcRect/>
-          <a:stretch>
-            <a:fillRect/>
-          </a:stretch>
-        </p:blipFill>
-        <p:spPr bwMode="auto">
-          <a:xfrm>
-            <a:off x="1982554" y="2603498"/>
-            <a:ext cx="8128600" cy="3234594"/>
-          </a:xfrm>
-          <a:prstGeom prst="rect">
-            <a:avLst/>
-          </a:prstGeom>
-          <a:noFill/>
-          <a:extLst>
-            <a:ext uri="{909E8E84-426E-40DD-AFC4-6F175D3DCCD1}">
-              <a14:hiddenFill xmlns:a14="http://schemas.microsoft.com/office/drawing/2010/main">
-                <a:solidFill>
-                  <a:srgbClr val="FFFFFF"/>
-                </a:solidFill>
-              </a14:hiddenFill>
-            </a:ext>
-          </a:extLst>
-        </p:spPr>
-      </p:pic>
-    </p:spTree>
-    <p:extLst>
-      <p:ext uri="{BB962C8B-B14F-4D97-AF65-F5344CB8AC3E}">
-        <p14:creationId xmlns:p14="http://schemas.microsoft.com/office/powerpoint/2010/main" val="2440918451"/>
-      </p:ext>
-    </p:extLst>
-  </p:cSld>
-  <p:clrMapOvr>
-    <a:masterClrMapping/>
-  </p:clrMapOvr>
-  <p:timing>
-    <p:tnLst>
-      <p:par>
-        <p:cTn id="1" dur="indefinite" restart="never" nodeType="tmRoot">
-          <p:childTnLst>
-            <p:seq concurrent="1" nextAc="seek">
-              <p:cTn id="2" dur="indefinite" nodeType="mainSeq">
-                <p:childTnLst>
-                  <p:par>
-                    <p:cTn id="3" fill="hold">
-                      <p:stCondLst>
-                        <p:cond delay="indefinite"/>
-                      </p:stCondLst>
-                      <p:childTnLst>
-                        <p:par>
-                          <p:cTn id="4" fill="hold">
-                            <p:stCondLst>
-                              <p:cond delay="0"/>
-                            </p:stCondLst>
-                            <p:childTnLst>
-                              <p:par>
-                                <p:cTn id="5" presetID="10" presetClass="entr" presetSubtype="0" fill="hold" nodeType="clickEffect">
-                                  <p:stCondLst>
-                                    <p:cond delay="0"/>
-                                  </p:stCondLst>
-                                  <p:childTnLst>
-                                    <p:set>
-                                      <p:cBhvr>
-                                        <p:cTn id="6" dur="1" fill="hold">
-                                          <p:stCondLst>
-                                            <p:cond delay="0"/>
-                                          </p:stCondLst>
-                                        </p:cTn>
-                                        <p:tgtEl>
-                                          <p:spTgt spid="6146"/>
-                                        </p:tgtEl>
-                                        <p:attrNameLst>
-                                          <p:attrName>style.visibility</p:attrName>
-                                        </p:attrNameLst>
-                                      </p:cBhvr>
-                                      <p:to>
-                                        <p:strVal val="visible"/>
-                                      </p:to>
-                                    </p:set>
-                                    <p:animEffect transition="in" filter="fade">
-                                      <p:cBhvr>
-                                        <p:cTn id="7" dur="500"/>
-                                        <p:tgtEl>
-                                          <p:spTgt spid="6146"/>
-                                        </p:tgtEl>
-                                      </p:cBhvr>
-                                    </p:animEffect>
-                                  </p:childTnLst>
-                                </p:cTn>
-                              </p:par>
-                            </p:childTnLst>
-                          </p:cTn>
-                        </p:par>
-                      </p:childTnLst>
-                    </p:cTn>
-                  </p:par>
-                  <p:par>
-                    <p:cTn id="8" fill="hold">
-                      <p:stCondLst>
-                        <p:cond delay="indefinite"/>
-                      </p:stCondLst>
-                      <p:childTnLst>
-                        <p:par>
-                          <p:cTn id="9" fill="hold">
-                            <p:stCondLst>
-                              <p:cond delay="0"/>
-                            </p:stCondLst>
-                            <p:childTnLst>
-                              <p:par>
-                                <p:cTn id="10" presetID="10" presetClass="entr" presetSubtype="0" fill="hold" nodeType="clickEffect">
-                                  <p:stCondLst>
-                                    <p:cond delay="0"/>
-                                  </p:stCondLst>
-                                  <p:childTnLst>
-                                    <p:set>
-                                      <p:cBhvr>
-                                        <p:cTn id="11" dur="1" fill="hold">
-                                          <p:stCondLst>
-                                            <p:cond delay="0"/>
-                                          </p:stCondLst>
-                                        </p:cTn>
-                                        <p:tgtEl>
-                                          <p:spTgt spid="6148"/>
-                                        </p:tgtEl>
-                                        <p:attrNameLst>
-                                          <p:attrName>style.visibility</p:attrName>
-                                        </p:attrNameLst>
-                                      </p:cBhvr>
-                                      <p:to>
-                                        <p:strVal val="visible"/>
-                                      </p:to>
-                                    </p:set>
-                                    <p:animEffect transition="in" filter="fade">
-                                      <p:cBhvr>
-                                        <p:cTn id="12" dur="500"/>
-                                        <p:tgtEl>
-                                          <p:spTgt spid="6148"/>
-                                        </p:tgtEl>
-                                      </p:cBhvr>
-                                    </p:animEffect>
-                                  </p:childTnLst>
-                                </p:cTn>
-                              </p:par>
-                            </p:childTnLst>
-                          </p:cTn>
-                        </p:par>
-                      </p:childTnLst>
-                    </p:cTn>
-                  </p:par>
-                </p:childTnLst>
-              </p:cTn>
-              <p:prevCondLst>
-                <p:cond evt="onPrev" delay="0">
-                  <p:tgtEl>
-                    <p:sldTgt/>
-                  </p:tgtEl>
-                </p:cond>
-              </p:prevCondLst>
-              <p:nextCondLst>
-                <p:cond evt="onNext" delay="0">
-                  <p:tgtEl>
-                    <p:sldTgt/>
-                  </p:tgtEl>
-                </p:cond>
-              </p:nextCondLst>
-            </p:seq>
-          </p:childTnLst>
-        </p:cTn>
-      </p:par>
-    </p:tnLst>
-  </p:timing>
 </p:sld>
 </file>
 
